--- a/Graph theory overview..pptx
+++ b/Graph theory overview..pptx
@@ -14,23 +14,26 @@
     <p:sldId id="259" r:id="rId9"/>
     <p:sldId id="260" r:id="rId10"/>
     <p:sldId id="261" r:id="rId11"/>
+    <p:sldId id="262" r:id="rId12"/>
+    <p:sldId id="263" r:id="rId13"/>
+    <p:sldId id="264" r:id="rId14"/>
   </p:sldIdLst>
   <p:sldSz cy="5143500" cx="9144000"/>
   <p:notesSz cx="6858000" cy="9144000"/>
   <p:embeddedFontLst>
     <p:embeddedFont>
       <p:font typeface="Economica"/>
-      <p:regular r:id="rId12"/>
-      <p:bold r:id="rId13"/>
-      <p:italic r:id="rId14"/>
-      <p:boldItalic r:id="rId15"/>
+      <p:regular r:id="rId15"/>
+      <p:bold r:id="rId16"/>
+      <p:italic r:id="rId17"/>
+      <p:boldItalic r:id="rId18"/>
     </p:embeddedFont>
     <p:embeddedFont>
       <p:font typeface="Open Sans"/>
-      <p:regular r:id="rId16"/>
-      <p:bold r:id="rId17"/>
-      <p:italic r:id="rId18"/>
-      <p:boldItalic r:id="rId19"/>
+      <p:regular r:id="rId19"/>
+      <p:bold r:id="rId20"/>
+      <p:italic r:id="rId21"/>
+      <p:boldItalic r:id="rId22"/>
     </p:embeddedFont>
   </p:embeddedFontLst>
   <p:defaultTextStyle>
@@ -1085,7 +1088,7 @@
                 <a:spcPts val="1200"/>
               </a:spcBef>
               <a:spcAft>
-                <a:spcPts val="1200"/>
+                <a:spcPts val="0"/>
               </a:spcAft>
               <a:buClr>
                 <a:schemeClr val="dk1"/>
@@ -1152,9 +1155,66 @@
                 <a:cs typeface="Georgia"/>
                 <a:sym typeface="Georgia"/>
               </a:rPr>
-              <a:t>In the case of a social network, we could ask questions like how many friends does John have or how many mutual friends are there between Aybek and Rimma.</a:t>
+              <a:t>In the case of a social network, we could ask questions like how many friends does John have or how many mutual friends are there between Aybek and Rimma. </a:t>
             </a:r>
-            <a:endParaRPr/>
+            <a:endParaRPr sz="2024">
+              <a:solidFill>
+                <a:srgbClr val="292929"/>
+              </a:solidFill>
+              <a:highlight>
+                <a:srgbClr val="FFFFFF"/>
+              </a:highlight>
+              <a:latin typeface="Georgia"/>
+              <a:ea typeface="Georgia"/>
+              <a:cs typeface="Georgia"/>
+              <a:sym typeface="Georgia"/>
+            </a:endParaRPr>
+          </a:p>
+          <a:p>
+            <a:pPr indent="0" lvl="0" marL="0" rtl="0" algn="l">
+              <a:lnSpc>
+                <a:spcPct val="115000"/>
+              </a:lnSpc>
+              <a:spcBef>
+                <a:spcPts val="1200"/>
+              </a:spcBef>
+              <a:spcAft>
+                <a:spcPts val="1200"/>
+              </a:spcAft>
+              <a:buClr>
+                <a:schemeClr val="dk1"/>
+              </a:buClr>
+              <a:buSzPts val="1100"/>
+              <a:buFont typeface="Arial"/>
+              <a:buNone/>
+            </a:pPr>
+            <a:r>
+              <a:rPr lang="en" sz="2024">
+                <a:solidFill>
+                  <a:srgbClr val="292929"/>
+                </a:solidFill>
+                <a:highlight>
+                  <a:srgbClr val="FFFFFF"/>
+                </a:highlight>
+                <a:latin typeface="Georgia"/>
+                <a:ea typeface="Georgia"/>
+                <a:cs typeface="Georgia"/>
+                <a:sym typeface="Georgia"/>
+              </a:rPr>
+              <a:t>Graphs are used to represent many real-life applications: Graphs are used to represent networks. The networks may include paths in a city or telephone network or circuit network. Graphs are also used in social networks like linkedIn, Facebook. For example, in Facebook, each person is represented with a vertex(or node). Each node is a structure and contains information like person id, name, gender, and locale.Following is an example of an undirected graph with 5 vertices.</a:t>
+            </a:r>
+            <a:endParaRPr sz="2024">
+              <a:solidFill>
+                <a:srgbClr val="292929"/>
+              </a:solidFill>
+              <a:highlight>
+                <a:srgbClr val="FFFFFF"/>
+              </a:highlight>
+              <a:latin typeface="Georgia"/>
+              <a:ea typeface="Georgia"/>
+              <a:cs typeface="Georgia"/>
+              <a:sym typeface="Georgia"/>
+            </a:endParaRPr>
           </a:p>
         </p:txBody>
       </p:sp>
@@ -1476,7 +1536,7 @@
       </p:grpSpPr>
       <p:sp>
         <p:nvSpPr>
-          <p:cNvPr id="82" name="Google Shape;82;gc92effe6f6_0_200:notes"/>
+          <p:cNvPr id="82" name="Google Shape;82;gc915998dc3_0_0:notes"/>
           <p:cNvSpPr/>
           <p:nvPr>
             <p:ph idx="2" type="sldImg"/>
@@ -1511,7 +1571,117 @@
       </p:sp>
       <p:sp>
         <p:nvSpPr>
-          <p:cNvPr id="83" name="Google Shape;83;gc92effe6f6_0_200:notes"/>
+          <p:cNvPr id="83" name="Google Shape;83;gc915998dc3_0_0:notes"/>
+          <p:cNvSpPr txBox="1"/>
+          <p:nvPr>
+            <p:ph idx="1" type="body"/>
+          </p:nvPr>
+        </p:nvSpPr>
+        <p:spPr>
+          <a:xfrm>
+            <a:off x="685800" y="4343400"/>
+            <a:ext cx="5486400" cy="4114800"/>
+          </a:xfrm>
+          <a:prstGeom prst="rect">
+            <a:avLst/>
+          </a:prstGeom>
+        </p:spPr>
+        <p:txBody>
+          <a:bodyPr anchorCtr="0" anchor="t" bIns="91425" lIns="91425" spcFirstLastPara="1" rIns="91425" wrap="square" tIns="91425">
+            <a:noAutofit/>
+          </a:bodyPr>
+          <a:lstStyle/>
+          <a:p>
+            <a:pPr indent="0" lvl="0" marL="0" rtl="0" algn="l">
+              <a:spcBef>
+                <a:spcPts val="0"/>
+              </a:spcBef>
+              <a:spcAft>
+                <a:spcPts val="0"/>
+              </a:spcAft>
+              <a:buNone/>
+            </a:pPr>
+            <a:r>
+              <a:rPr lang="en" sz="1600">
+                <a:latin typeface="Georgia"/>
+                <a:ea typeface="Georgia"/>
+                <a:cs typeface="Georgia"/>
+                <a:sym typeface="Georgia"/>
+              </a:rPr>
+              <a:t>Instead of previous types there are another types like Disconnected graph(1), Acyclic graph(5), Cyclic graph(2),Regular graph(3), Star graph(4).</a:t>
+            </a:r>
+            <a:endParaRPr sz="1600">
+              <a:latin typeface="Georgia"/>
+              <a:ea typeface="Georgia"/>
+              <a:cs typeface="Georgia"/>
+              <a:sym typeface="Georgia"/>
+            </a:endParaRPr>
+          </a:p>
+        </p:txBody>
+      </p:sp>
+    </p:spTree>
+  </p:cSld>
+  <p:clrMapOvr>
+    <a:masterClrMapping/>
+  </p:clrMapOvr>
+</p:notes>
+</file>
+
+<file path=ppt/notesSlides/notesSlide5.xml><?xml version="1.0" encoding="utf-8"?>
+<p:notes xmlns:a="http://schemas.openxmlformats.org/drawingml/2006/main" xmlns:r="http://schemas.openxmlformats.org/officeDocument/2006/relationships" xmlns:mc="http://schemas.openxmlformats.org/markup-compatibility/2006" xmlns:mv="urn:schemas-microsoft-com:mac:vml" xmlns:p="http://schemas.openxmlformats.org/presentationml/2006/main" xmlns:c="http://schemas.openxmlformats.org/drawingml/2006/chart" xmlns:dgm="http://schemas.openxmlformats.org/drawingml/2006/diagram" xmlns:o="urn:schemas-microsoft-com:office:office" xmlns:v="urn:schemas-microsoft-com:vml" xmlns:pvml="urn:schemas-microsoft-com:office:powerpoint" xmlns:com="http://schemas.openxmlformats.org/drawingml/2006/compatibility" xmlns:p14="http://schemas.microsoft.com/office/powerpoint/2010/main" xmlns:p15="http://schemas.microsoft.com/office/powerpoint/2012/main" xmlns:ahyp="http://schemas.microsoft.com/office/drawing/2018/hyperlinkcolor" showMasterPhAnim="0" showMasterSp="0">
+  <p:cSld>
+    <p:spTree>
+      <p:nvGrpSpPr>
+        <p:cNvPr id="96" name="Shape 96"/>
+        <p:cNvGrpSpPr/>
+        <p:nvPr/>
+      </p:nvGrpSpPr>
+      <p:grpSpPr>
+        <a:xfrm>
+          <a:off x="0" y="0"/>
+          <a:ext cx="0" cy="0"/>
+          <a:chOff x="0" y="0"/>
+          <a:chExt cx="0" cy="0"/>
+        </a:xfrm>
+      </p:grpSpPr>
+      <p:sp>
+        <p:nvSpPr>
+          <p:cNvPr id="97" name="Google Shape;97;gc92effe6f6_0_200:notes"/>
+          <p:cNvSpPr/>
+          <p:nvPr>
+            <p:ph idx="2" type="sldImg"/>
+          </p:nvPr>
+        </p:nvSpPr>
+        <p:spPr>
+          <a:xfrm>
+            <a:off x="381300" y="685800"/>
+            <a:ext cx="6096000" cy="3429000"/>
+          </a:xfrm>
+          <a:custGeom>
+            <a:rect b="b" l="l" r="r" t="t"/>
+            <a:pathLst>
+              <a:path extrusionOk="0" h="120000" w="120000">
+                <a:moveTo>
+                  <a:pt x="0" y="0"/>
+                </a:moveTo>
+                <a:lnTo>
+                  <a:pt x="120000" y="0"/>
+                </a:lnTo>
+                <a:lnTo>
+                  <a:pt x="120000" y="120000"/>
+                </a:lnTo>
+                <a:lnTo>
+                  <a:pt x="0" y="120000"/>
+                </a:lnTo>
+                <a:close/>
+              </a:path>
+            </a:pathLst>
+          </a:custGeom>
+        </p:spPr>
+      </p:sp>
+      <p:sp>
+        <p:nvSpPr>
+          <p:cNvPr id="98" name="Google Shape;98;gc92effe6f6_0_200:notes"/>
           <p:cNvSpPr txBox="1"/>
           <p:nvPr>
             <p:ph idx="1" type="body"/>
@@ -1626,12 +1796,12 @@
 </p:notes>
 </file>
 
-<file path=ppt/notesSlides/notesSlide5.xml><?xml version="1.0" encoding="utf-8"?>
+<file path=ppt/notesSlides/notesSlide6.xml><?xml version="1.0" encoding="utf-8"?>
 <p:notes xmlns:a="http://schemas.openxmlformats.org/drawingml/2006/main" xmlns:r="http://schemas.openxmlformats.org/officeDocument/2006/relationships" xmlns:mc="http://schemas.openxmlformats.org/markup-compatibility/2006" xmlns:mv="urn:schemas-microsoft-com:mac:vml" xmlns:p="http://schemas.openxmlformats.org/presentationml/2006/main" xmlns:c="http://schemas.openxmlformats.org/drawingml/2006/chart" xmlns:dgm="http://schemas.openxmlformats.org/drawingml/2006/diagram" xmlns:o="urn:schemas-microsoft-com:office:office" xmlns:v="urn:schemas-microsoft-com:vml" xmlns:pvml="urn:schemas-microsoft-com:office:powerpoint" xmlns:com="http://schemas.openxmlformats.org/drawingml/2006/compatibility" xmlns:p14="http://schemas.microsoft.com/office/powerpoint/2010/main" xmlns:p15="http://schemas.microsoft.com/office/powerpoint/2012/main" xmlns:ahyp="http://schemas.microsoft.com/office/drawing/2018/hyperlinkcolor" showMasterPhAnim="0" showMasterSp="0">
   <p:cSld>
     <p:spTree>
       <p:nvGrpSpPr>
-        <p:cNvPr id="87" name="Shape 87"/>
+        <p:cNvPr id="102" name="Shape 102"/>
         <p:cNvGrpSpPr/>
         <p:nvPr/>
       </p:nvGrpSpPr>
@@ -1645,7 +1815,7 @@
       </p:grpSpPr>
       <p:sp>
         <p:nvSpPr>
-          <p:cNvPr id="88" name="Google Shape;88;gc92effe6f6_0_213:notes"/>
+          <p:cNvPr id="103" name="Google Shape;103;gc92effe6f6_0_213:notes"/>
           <p:cNvSpPr/>
           <p:nvPr>
             <p:ph idx="2" type="sldImg"/>
@@ -1680,7 +1850,7 @@
       </p:sp>
       <p:sp>
         <p:nvSpPr>
-          <p:cNvPr id="89" name="Google Shape;89;gc92effe6f6_0_213:notes"/>
+          <p:cNvPr id="104" name="Google Shape;104;gc92effe6f6_0_213:notes"/>
           <p:cNvSpPr txBox="1"/>
           <p:nvPr>
             <p:ph idx="1" type="body"/>
@@ -1760,12 +1930,12 @@
 </p:notes>
 </file>
 
-<file path=ppt/notesSlides/notesSlide6.xml><?xml version="1.0" encoding="utf-8"?>
+<file path=ppt/notesSlides/notesSlide7.xml><?xml version="1.0" encoding="utf-8"?>
 <p:notes xmlns:a="http://schemas.openxmlformats.org/drawingml/2006/main" xmlns:r="http://schemas.openxmlformats.org/officeDocument/2006/relationships" xmlns:mc="http://schemas.openxmlformats.org/markup-compatibility/2006" xmlns:mv="urn:schemas-microsoft-com:mac:vml" xmlns:p="http://schemas.openxmlformats.org/presentationml/2006/main" xmlns:c="http://schemas.openxmlformats.org/drawingml/2006/chart" xmlns:dgm="http://schemas.openxmlformats.org/drawingml/2006/diagram" xmlns:o="urn:schemas-microsoft-com:office:office" xmlns:v="urn:schemas-microsoft-com:vml" xmlns:pvml="urn:schemas-microsoft-com:office:powerpoint" xmlns:com="http://schemas.openxmlformats.org/drawingml/2006/compatibility" xmlns:p14="http://schemas.microsoft.com/office/powerpoint/2010/main" xmlns:p15="http://schemas.microsoft.com/office/powerpoint/2012/main" xmlns:ahyp="http://schemas.microsoft.com/office/drawing/2018/hyperlinkcolor" showMasterPhAnim="0" showMasterSp="0">
   <p:cSld>
     <p:spTree>
       <p:nvGrpSpPr>
-        <p:cNvPr id="93" name="Shape 93"/>
+        <p:cNvPr id="108" name="Shape 108"/>
         <p:cNvGrpSpPr/>
         <p:nvPr/>
       </p:nvGrpSpPr>
@@ -1779,7 +1949,7 @@
       </p:grpSpPr>
       <p:sp>
         <p:nvSpPr>
-          <p:cNvPr id="94" name="Google Shape;94;gc92effe6f6_0_229:notes"/>
+          <p:cNvPr id="109" name="Google Shape;109;gc92effe6f6_0_229:notes"/>
           <p:cNvSpPr/>
           <p:nvPr>
             <p:ph idx="2" type="sldImg"/>
@@ -1814,7 +1984,7 @@
       </p:sp>
       <p:sp>
         <p:nvSpPr>
-          <p:cNvPr id="95" name="Google Shape;95;gc92effe6f6_0_229:notes"/>
+          <p:cNvPr id="110" name="Google Shape;110;gc92effe6f6_0_229:notes"/>
           <p:cNvSpPr txBox="1"/>
           <p:nvPr>
             <p:ph idx="1" type="body"/>
@@ -1872,6 +2042,506 @@
               <a:t> of graph as matrix  and store it to memory for further compilation. The efficient way is to use Matrix NxN  where N is the number of nodes. This matrix representation is Adjacency matrix. The above represented is of a directed weighted graph and it’s corresponding adjacency matrix M. The matrix is of size 8x8 as there are 8 nodes in total. There are will differences between directed and undericted because we will consider path between one node from second node , as we told undericted has bidirectional roads.</a:t>
             </a:r>
             <a:endParaRPr sz="1800">
+              <a:latin typeface="Georgia"/>
+              <a:ea typeface="Georgia"/>
+              <a:cs typeface="Georgia"/>
+              <a:sym typeface="Georgia"/>
+            </a:endParaRPr>
+          </a:p>
+        </p:txBody>
+      </p:sp>
+    </p:spTree>
+  </p:cSld>
+  <p:clrMapOvr>
+    <a:masterClrMapping/>
+  </p:clrMapOvr>
+</p:notes>
+</file>
+
+<file path=ppt/notesSlides/notesSlide8.xml><?xml version="1.0" encoding="utf-8"?>
+<p:notes xmlns:a="http://schemas.openxmlformats.org/drawingml/2006/main" xmlns:r="http://schemas.openxmlformats.org/officeDocument/2006/relationships" xmlns:mc="http://schemas.openxmlformats.org/markup-compatibility/2006" xmlns:mv="urn:schemas-microsoft-com:mac:vml" xmlns:p="http://schemas.openxmlformats.org/presentationml/2006/main" xmlns:c="http://schemas.openxmlformats.org/drawingml/2006/chart" xmlns:dgm="http://schemas.openxmlformats.org/drawingml/2006/diagram" xmlns:o="urn:schemas-microsoft-com:office:office" xmlns:v="urn:schemas-microsoft-com:vml" xmlns:pvml="urn:schemas-microsoft-com:office:powerpoint" xmlns:com="http://schemas.openxmlformats.org/drawingml/2006/compatibility" xmlns:p14="http://schemas.microsoft.com/office/powerpoint/2010/main" xmlns:p15="http://schemas.microsoft.com/office/powerpoint/2012/main" xmlns:ahyp="http://schemas.microsoft.com/office/drawing/2018/hyperlinkcolor" showMasterPhAnim="0" showMasterSp="0">
+  <p:cSld>
+    <p:spTree>
+      <p:nvGrpSpPr>
+        <p:cNvPr id="114" name="Shape 114"/>
+        <p:cNvGrpSpPr/>
+        <p:nvPr/>
+      </p:nvGrpSpPr>
+      <p:grpSpPr>
+        <a:xfrm>
+          <a:off x="0" y="0"/>
+          <a:ext cx="0" cy="0"/>
+          <a:chOff x="0" y="0"/>
+          <a:chExt cx="0" cy="0"/>
+        </a:xfrm>
+      </p:grpSpPr>
+      <p:sp>
+        <p:nvSpPr>
+          <p:cNvPr id="115" name="Google Shape;115;gc915998dc3_0_18:notes"/>
+          <p:cNvSpPr/>
+          <p:nvPr>
+            <p:ph idx="2" type="sldImg"/>
+          </p:nvPr>
+        </p:nvSpPr>
+        <p:spPr>
+          <a:xfrm>
+            <a:off x="381300" y="685800"/>
+            <a:ext cx="6096000" cy="3429000"/>
+          </a:xfrm>
+          <a:custGeom>
+            <a:rect b="b" l="l" r="r" t="t"/>
+            <a:pathLst>
+              <a:path extrusionOk="0" h="120000" w="120000">
+                <a:moveTo>
+                  <a:pt x="0" y="0"/>
+                </a:moveTo>
+                <a:lnTo>
+                  <a:pt x="120000" y="0"/>
+                </a:lnTo>
+                <a:lnTo>
+                  <a:pt x="120000" y="120000"/>
+                </a:lnTo>
+                <a:lnTo>
+                  <a:pt x="0" y="120000"/>
+                </a:lnTo>
+                <a:close/>
+              </a:path>
+            </a:pathLst>
+          </a:custGeom>
+        </p:spPr>
+      </p:sp>
+      <p:sp>
+        <p:nvSpPr>
+          <p:cNvPr id="116" name="Google Shape;116;gc915998dc3_0_18:notes"/>
+          <p:cNvSpPr txBox="1"/>
+          <p:nvPr>
+            <p:ph idx="1" type="body"/>
+          </p:nvPr>
+        </p:nvSpPr>
+        <p:spPr>
+          <a:xfrm>
+            <a:off x="685800" y="4343400"/>
+            <a:ext cx="5486400" cy="4114800"/>
+          </a:xfrm>
+          <a:prstGeom prst="rect">
+            <a:avLst/>
+          </a:prstGeom>
+        </p:spPr>
+        <p:txBody>
+          <a:bodyPr anchorCtr="0" anchor="t" bIns="91425" lIns="91425" spcFirstLastPara="1" rIns="91425" wrap="square" tIns="91425">
+            <a:noAutofit/>
+          </a:bodyPr>
+          <a:lstStyle/>
+          <a:p>
+            <a:pPr indent="0" lvl="0" marL="0" rtl="0" algn="l">
+              <a:spcBef>
+                <a:spcPts val="0"/>
+              </a:spcBef>
+              <a:spcAft>
+                <a:spcPts val="0"/>
+              </a:spcAft>
+              <a:buNone/>
+            </a:pPr>
+            <a:r>
+              <a:rPr lang="en" sz="1600">
+                <a:solidFill>
+                  <a:srgbClr val="292929"/>
+                </a:solidFill>
+                <a:highlight>
+                  <a:srgbClr val="FFFFFF"/>
+                </a:highlight>
+                <a:latin typeface="Georgia"/>
+                <a:ea typeface="Georgia"/>
+                <a:cs typeface="Georgia"/>
+                <a:sym typeface="Georgia"/>
+              </a:rPr>
+              <a:t>Adjacency List is an efficient mechanism to store the graph information if it is sparse i.e. it would take less memory as compared to the adjacency matrix in the same scenario. But still, this is a slight more complex representation rather than the adjacency matrix.</a:t>
+            </a:r>
+            <a:endParaRPr sz="1600">
+              <a:latin typeface="Georgia"/>
+              <a:ea typeface="Georgia"/>
+              <a:cs typeface="Georgia"/>
+              <a:sym typeface="Georgia"/>
+            </a:endParaRPr>
+          </a:p>
+        </p:txBody>
+      </p:sp>
+    </p:spTree>
+  </p:cSld>
+  <p:clrMapOvr>
+    <a:masterClrMapping/>
+  </p:clrMapOvr>
+</p:notes>
+</file>
+
+<file path=ppt/notesSlides/notesSlide9.xml><?xml version="1.0" encoding="utf-8"?>
+<p:notes xmlns:a="http://schemas.openxmlformats.org/drawingml/2006/main" xmlns:r="http://schemas.openxmlformats.org/officeDocument/2006/relationships" xmlns:mc="http://schemas.openxmlformats.org/markup-compatibility/2006" xmlns:mv="urn:schemas-microsoft-com:mac:vml" xmlns:p="http://schemas.openxmlformats.org/presentationml/2006/main" xmlns:c="http://schemas.openxmlformats.org/drawingml/2006/chart" xmlns:dgm="http://schemas.openxmlformats.org/drawingml/2006/diagram" xmlns:o="urn:schemas-microsoft-com:office:office" xmlns:v="urn:schemas-microsoft-com:vml" xmlns:pvml="urn:schemas-microsoft-com:office:powerpoint" xmlns:com="http://schemas.openxmlformats.org/drawingml/2006/compatibility" xmlns:p14="http://schemas.microsoft.com/office/powerpoint/2010/main" xmlns:p15="http://schemas.microsoft.com/office/powerpoint/2012/main" xmlns:ahyp="http://schemas.microsoft.com/office/drawing/2018/hyperlinkcolor" showMasterPhAnim="0" showMasterSp="0">
+  <p:cSld>
+    <p:spTree>
+      <p:nvGrpSpPr>
+        <p:cNvPr id="120" name="Shape 120"/>
+        <p:cNvGrpSpPr/>
+        <p:nvPr/>
+      </p:nvGrpSpPr>
+      <p:grpSpPr>
+        <a:xfrm>
+          <a:off x="0" y="0"/>
+          <a:ext cx="0" cy="0"/>
+          <a:chOff x="0" y="0"/>
+          <a:chExt cx="0" cy="0"/>
+        </a:xfrm>
+      </p:grpSpPr>
+      <p:sp>
+        <p:nvSpPr>
+          <p:cNvPr id="121" name="Google Shape;121;gc915998dc3_0_27:notes"/>
+          <p:cNvSpPr/>
+          <p:nvPr>
+            <p:ph idx="2" type="sldImg"/>
+          </p:nvPr>
+        </p:nvSpPr>
+        <p:spPr>
+          <a:xfrm>
+            <a:off x="381300" y="685800"/>
+            <a:ext cx="6096000" cy="3429000"/>
+          </a:xfrm>
+          <a:custGeom>
+            <a:rect b="b" l="l" r="r" t="t"/>
+            <a:pathLst>
+              <a:path extrusionOk="0" h="120000" w="120000">
+                <a:moveTo>
+                  <a:pt x="0" y="0"/>
+                </a:moveTo>
+                <a:lnTo>
+                  <a:pt x="120000" y="0"/>
+                </a:lnTo>
+                <a:lnTo>
+                  <a:pt x="120000" y="120000"/>
+                </a:lnTo>
+                <a:lnTo>
+                  <a:pt x="0" y="120000"/>
+                </a:lnTo>
+                <a:close/>
+              </a:path>
+            </a:pathLst>
+          </a:custGeom>
+        </p:spPr>
+      </p:sp>
+      <p:sp>
+        <p:nvSpPr>
+          <p:cNvPr id="122" name="Google Shape;122;gc915998dc3_0_27:notes"/>
+          <p:cNvSpPr txBox="1"/>
+          <p:nvPr>
+            <p:ph idx="1" type="body"/>
+          </p:nvPr>
+        </p:nvSpPr>
+        <p:spPr>
+          <a:xfrm>
+            <a:off x="685800" y="4343400"/>
+            <a:ext cx="5486400" cy="4114800"/>
+          </a:xfrm>
+          <a:prstGeom prst="rect">
+            <a:avLst/>
+          </a:prstGeom>
+        </p:spPr>
+        <p:txBody>
+          <a:bodyPr anchorCtr="0" anchor="t" bIns="91425" lIns="91425" spcFirstLastPara="1" rIns="91425" wrap="square" tIns="91425">
+            <a:noAutofit/>
+          </a:bodyPr>
+          <a:lstStyle/>
+          <a:p>
+            <a:pPr indent="0" lvl="0" marL="0" rtl="0" algn="l">
+              <a:lnSpc>
+                <a:spcPct val="115000"/>
+              </a:lnSpc>
+              <a:spcBef>
+                <a:spcPts val="0"/>
+              </a:spcBef>
+              <a:spcAft>
+                <a:spcPts val="0"/>
+              </a:spcAft>
+              <a:buClr>
+                <a:schemeClr val="dk1"/>
+              </a:buClr>
+              <a:buSzPts val="1100"/>
+              <a:buFont typeface="Arial"/>
+              <a:buNone/>
+            </a:pPr>
+            <a:r>
+              <a:rPr lang="en" sz="1800">
+                <a:solidFill>
+                  <a:schemeClr val="dk1"/>
+                </a:solidFill>
+                <a:latin typeface="Georgia"/>
+                <a:ea typeface="Georgia"/>
+                <a:cs typeface="Georgia"/>
+                <a:sym typeface="Georgia"/>
+              </a:rPr>
+              <a:t>With graph we can do next things like, </a:t>
+            </a:r>
+            <a:endParaRPr sz="1800">
+              <a:solidFill>
+                <a:schemeClr val="dk1"/>
+              </a:solidFill>
+              <a:latin typeface="Georgia"/>
+              <a:ea typeface="Georgia"/>
+              <a:cs typeface="Georgia"/>
+              <a:sym typeface="Georgia"/>
+            </a:endParaRPr>
+          </a:p>
+          <a:p>
+            <a:pPr indent="0" lvl="0" marL="0" rtl="0" algn="l">
+              <a:lnSpc>
+                <a:spcPct val="115000"/>
+              </a:lnSpc>
+              <a:spcBef>
+                <a:spcPts val="1200"/>
+              </a:spcBef>
+              <a:spcAft>
+                <a:spcPts val="0"/>
+              </a:spcAft>
+              <a:buClr>
+                <a:schemeClr val="dk1"/>
+              </a:buClr>
+              <a:buSzPts val="1100"/>
+              <a:buFont typeface="Arial"/>
+              <a:buNone/>
+            </a:pPr>
+            <a:r>
+              <a:rPr lang="en" sz="1800">
+                <a:solidFill>
+                  <a:schemeClr val="dk1"/>
+                </a:solidFill>
+                <a:latin typeface="Georgia"/>
+                <a:ea typeface="Georgia"/>
+                <a:cs typeface="Georgia"/>
+                <a:sym typeface="Georgia"/>
+              </a:rPr>
+              <a:t>Dijkstra's Algorithm </a:t>
+            </a:r>
+            <a:endParaRPr sz="1800">
+              <a:solidFill>
+                <a:schemeClr val="dk1"/>
+              </a:solidFill>
+              <a:latin typeface="Georgia"/>
+              <a:ea typeface="Georgia"/>
+              <a:cs typeface="Georgia"/>
+              <a:sym typeface="Georgia"/>
+            </a:endParaRPr>
+          </a:p>
+          <a:p>
+            <a:pPr indent="0" lvl="0" marL="0" rtl="0" algn="l">
+              <a:lnSpc>
+                <a:spcPct val="115000"/>
+              </a:lnSpc>
+              <a:spcBef>
+                <a:spcPts val="1200"/>
+              </a:spcBef>
+              <a:spcAft>
+                <a:spcPts val="0"/>
+              </a:spcAft>
+              <a:buClr>
+                <a:schemeClr val="dk1"/>
+              </a:buClr>
+              <a:buSzPts val="1100"/>
+              <a:buFont typeface="Arial"/>
+              <a:buNone/>
+            </a:pPr>
+            <a:r>
+              <a:rPr lang="en" sz="1800">
+                <a:solidFill>
+                  <a:schemeClr val="dk1"/>
+                </a:solidFill>
+                <a:latin typeface="Georgia"/>
+                <a:ea typeface="Georgia"/>
+                <a:cs typeface="Georgia"/>
+                <a:sym typeface="Georgia"/>
+              </a:rPr>
+              <a:t>Prims's Algorithm </a:t>
+            </a:r>
+            <a:endParaRPr sz="1800">
+              <a:solidFill>
+                <a:schemeClr val="dk1"/>
+              </a:solidFill>
+              <a:latin typeface="Georgia"/>
+              <a:ea typeface="Georgia"/>
+              <a:cs typeface="Georgia"/>
+              <a:sym typeface="Georgia"/>
+            </a:endParaRPr>
+          </a:p>
+          <a:p>
+            <a:pPr indent="0" lvl="0" marL="0" rtl="0" algn="l">
+              <a:lnSpc>
+                <a:spcPct val="115000"/>
+              </a:lnSpc>
+              <a:spcBef>
+                <a:spcPts val="1200"/>
+              </a:spcBef>
+              <a:spcAft>
+                <a:spcPts val="0"/>
+              </a:spcAft>
+              <a:buClr>
+                <a:schemeClr val="dk1"/>
+              </a:buClr>
+              <a:buSzPts val="1100"/>
+              <a:buFont typeface="Arial"/>
+              <a:buNone/>
+            </a:pPr>
+            <a:r>
+              <a:rPr lang="en" sz="1800">
+                <a:solidFill>
+                  <a:schemeClr val="dk1"/>
+                </a:solidFill>
+                <a:latin typeface="Georgia"/>
+                <a:ea typeface="Georgia"/>
+                <a:cs typeface="Georgia"/>
+                <a:sym typeface="Georgia"/>
+              </a:rPr>
+              <a:t>Kruskal's Algorithm Graphs are used to define the flow of computation. Graphs are used to represent networks of communication. </a:t>
+            </a:r>
+            <a:endParaRPr sz="1800">
+              <a:solidFill>
+                <a:schemeClr val="dk1"/>
+              </a:solidFill>
+              <a:latin typeface="Georgia"/>
+              <a:ea typeface="Georgia"/>
+              <a:cs typeface="Georgia"/>
+              <a:sym typeface="Georgia"/>
+            </a:endParaRPr>
+          </a:p>
+          <a:p>
+            <a:pPr indent="0" lvl="0" marL="0" rtl="0" algn="l">
+              <a:lnSpc>
+                <a:spcPct val="115000"/>
+              </a:lnSpc>
+              <a:spcBef>
+                <a:spcPts val="1200"/>
+              </a:spcBef>
+              <a:spcAft>
+                <a:spcPts val="0"/>
+              </a:spcAft>
+              <a:buClr>
+                <a:schemeClr val="dk1"/>
+              </a:buClr>
+              <a:buSzPts val="1100"/>
+              <a:buFont typeface="Arial"/>
+              <a:buNone/>
+            </a:pPr>
+            <a:r>
+              <a:rPr lang="en" sz="1800">
+                <a:solidFill>
+                  <a:schemeClr val="dk1"/>
+                </a:solidFill>
+                <a:latin typeface="Georgia"/>
+                <a:ea typeface="Georgia"/>
+                <a:cs typeface="Georgia"/>
+                <a:sym typeface="Georgia"/>
+              </a:rPr>
+              <a:t>Graphs are used to represent data organization. Graph transformation systems work on rule-based in-memory manipulation of graphs. </a:t>
+            </a:r>
+            <a:endParaRPr sz="1800">
+              <a:solidFill>
+                <a:schemeClr val="dk1"/>
+              </a:solidFill>
+              <a:latin typeface="Georgia"/>
+              <a:ea typeface="Georgia"/>
+              <a:cs typeface="Georgia"/>
+              <a:sym typeface="Georgia"/>
+            </a:endParaRPr>
+          </a:p>
+          <a:p>
+            <a:pPr indent="0" lvl="0" marL="0" rtl="0" algn="l">
+              <a:lnSpc>
+                <a:spcPct val="115000"/>
+              </a:lnSpc>
+              <a:spcBef>
+                <a:spcPts val="1200"/>
+              </a:spcBef>
+              <a:spcAft>
+                <a:spcPts val="0"/>
+              </a:spcAft>
+              <a:buClr>
+                <a:schemeClr val="dk1"/>
+              </a:buClr>
+              <a:buSzPts val="1100"/>
+              <a:buFont typeface="Arial"/>
+              <a:buNone/>
+            </a:pPr>
+            <a:r>
+              <a:rPr lang="en" sz="1800">
+                <a:solidFill>
+                  <a:schemeClr val="dk1"/>
+                </a:solidFill>
+                <a:latin typeface="Georgia"/>
+                <a:ea typeface="Georgia"/>
+                <a:cs typeface="Georgia"/>
+                <a:sym typeface="Georgia"/>
+              </a:rPr>
+              <a:t>Graph databases ensure transaction-safe, persistent storing and querying of graph structured data. Graph theory is used to find shortest path in road or a network. </a:t>
+            </a:r>
+            <a:endParaRPr sz="1800">
+              <a:solidFill>
+                <a:schemeClr val="dk1"/>
+              </a:solidFill>
+              <a:latin typeface="Georgia"/>
+              <a:ea typeface="Georgia"/>
+              <a:cs typeface="Georgia"/>
+              <a:sym typeface="Georgia"/>
+            </a:endParaRPr>
+          </a:p>
+          <a:p>
+            <a:pPr indent="0" lvl="0" marL="0" rtl="0" algn="l">
+              <a:lnSpc>
+                <a:spcPct val="115000"/>
+              </a:lnSpc>
+              <a:spcBef>
+                <a:spcPts val="1200"/>
+              </a:spcBef>
+              <a:spcAft>
+                <a:spcPts val="0"/>
+              </a:spcAft>
+              <a:buClr>
+                <a:schemeClr val="dk1"/>
+              </a:buClr>
+              <a:buSzPts val="1100"/>
+              <a:buFont typeface="Arial"/>
+              <a:buNone/>
+            </a:pPr>
+            <a:r>
+              <a:rPr lang="en" sz="1800">
+                <a:solidFill>
+                  <a:schemeClr val="dk1"/>
+                </a:solidFill>
+                <a:latin typeface="Georgia"/>
+                <a:ea typeface="Georgia"/>
+                <a:cs typeface="Georgia"/>
+                <a:sym typeface="Georgia"/>
+              </a:rPr>
+              <a:t>In Google Maps, various locations are represented as vertices or nodes and the roads are represented as edges and graph theory is used to find the shortest path between two nodes.</a:t>
+            </a:r>
+            <a:endParaRPr sz="1800">
+              <a:solidFill>
+                <a:schemeClr val="dk1"/>
+              </a:solidFill>
+              <a:latin typeface="Georgia"/>
+              <a:ea typeface="Georgia"/>
+              <a:cs typeface="Georgia"/>
+              <a:sym typeface="Georgia"/>
+            </a:endParaRPr>
+          </a:p>
+          <a:p>
+            <a:pPr indent="0" lvl="0" marL="0" rtl="0" algn="l">
+              <a:spcBef>
+                <a:spcPts val="1200"/>
+              </a:spcBef>
+              <a:spcAft>
+                <a:spcPts val="0"/>
+              </a:spcAft>
+              <a:buNone/>
+            </a:pPr>
+            <a:r>
+              <a:t/>
+            </a:r>
+            <a:endParaRPr sz="1600">
               <a:latin typeface="Georgia"/>
               <a:ea typeface="Georgia"/>
               <a:cs typeface="Georgia"/>
@@ -7893,6 +8563,507 @@
             </a:pPr>
             <a:r>
               <a:rPr lang="en"/>
+              <a:t>Types of graph</a:t>
+            </a:r>
+            <a:endParaRPr/>
+          </a:p>
+        </p:txBody>
+      </p:sp>
+      <p:pic>
+        <p:nvPicPr>
+          <p:cNvPr id="86" name="Google Shape;86;p16"/>
+          <p:cNvPicPr preferRelativeResize="0"/>
+          <p:nvPr/>
+        </p:nvPicPr>
+        <p:blipFill>
+          <a:blip r:embed="rId3">
+            <a:alphaModFix/>
+          </a:blip>
+          <a:stretch>
+            <a:fillRect/>
+          </a:stretch>
+        </p:blipFill>
+        <p:spPr>
+          <a:xfrm>
+            <a:off x="311688" y="1689575"/>
+            <a:ext cx="2733675" cy="1143000"/>
+          </a:xfrm>
+          <a:prstGeom prst="rect">
+            <a:avLst/>
+          </a:prstGeom>
+          <a:noFill/>
+          <a:ln>
+            <a:noFill/>
+          </a:ln>
+        </p:spPr>
+      </p:pic>
+      <p:pic>
+        <p:nvPicPr>
+          <p:cNvPr id="87" name="Google Shape;87;p16"/>
+          <p:cNvPicPr preferRelativeResize="0"/>
+          <p:nvPr/>
+        </p:nvPicPr>
+        <p:blipFill>
+          <a:blip r:embed="rId4">
+            <a:alphaModFix/>
+          </a:blip>
+          <a:stretch>
+            <a:fillRect/>
+          </a:stretch>
+        </p:blipFill>
+        <p:spPr>
+          <a:xfrm>
+            <a:off x="4371438" y="1743075"/>
+            <a:ext cx="3095625" cy="828675"/>
+          </a:xfrm>
+          <a:prstGeom prst="rect">
+            <a:avLst/>
+          </a:prstGeom>
+          <a:noFill/>
+          <a:ln>
+            <a:noFill/>
+          </a:ln>
+        </p:spPr>
+      </p:pic>
+      <p:pic>
+        <p:nvPicPr>
+          <p:cNvPr id="88" name="Google Shape;88;p16"/>
+          <p:cNvPicPr preferRelativeResize="0"/>
+          <p:nvPr/>
+        </p:nvPicPr>
+        <p:blipFill>
+          <a:blip r:embed="rId5">
+            <a:alphaModFix/>
+          </a:blip>
+          <a:stretch>
+            <a:fillRect/>
+          </a:stretch>
+        </p:blipFill>
+        <p:spPr>
+          <a:xfrm>
+            <a:off x="3381879" y="3608900"/>
+            <a:ext cx="2884300" cy="551225"/>
+          </a:xfrm>
+          <a:prstGeom prst="rect">
+            <a:avLst/>
+          </a:prstGeom>
+          <a:noFill/>
+          <a:ln>
+            <a:noFill/>
+          </a:ln>
+        </p:spPr>
+      </p:pic>
+      <p:pic>
+        <p:nvPicPr>
+          <p:cNvPr id="89" name="Google Shape;89;p16"/>
+          <p:cNvPicPr preferRelativeResize="0"/>
+          <p:nvPr/>
+        </p:nvPicPr>
+        <p:blipFill>
+          <a:blip r:embed="rId6">
+            <a:alphaModFix/>
+          </a:blip>
+          <a:stretch>
+            <a:fillRect/>
+          </a:stretch>
+        </p:blipFill>
+        <p:spPr>
+          <a:xfrm>
+            <a:off x="7247054" y="3527325"/>
+            <a:ext cx="1485900" cy="866775"/>
+          </a:xfrm>
+          <a:prstGeom prst="rect">
+            <a:avLst/>
+          </a:prstGeom>
+          <a:noFill/>
+          <a:ln>
+            <a:noFill/>
+          </a:ln>
+        </p:spPr>
+      </p:pic>
+      <p:sp>
+        <p:nvSpPr>
+          <p:cNvPr id="90" name="Google Shape;90;p16"/>
+          <p:cNvSpPr txBox="1"/>
+          <p:nvPr/>
+        </p:nvSpPr>
+        <p:spPr>
+          <a:xfrm>
+            <a:off x="218625" y="1311775"/>
+            <a:ext cx="437400" cy="400200"/>
+          </a:xfrm>
+          <a:prstGeom prst="rect">
+            <a:avLst/>
+          </a:prstGeom>
+          <a:noFill/>
+          <a:ln>
+            <a:noFill/>
+          </a:ln>
+        </p:spPr>
+        <p:txBody>
+          <a:bodyPr anchorCtr="0" anchor="t" bIns="91425" lIns="91425" spcFirstLastPara="1" rIns="91425" wrap="square" tIns="91425">
+            <a:spAutoFit/>
+          </a:bodyPr>
+          <a:lstStyle/>
+          <a:p>
+            <a:pPr indent="0" lvl="0" marL="0" rtl="0" algn="l">
+              <a:spcBef>
+                <a:spcPts val="0"/>
+              </a:spcBef>
+              <a:spcAft>
+                <a:spcPts val="0"/>
+              </a:spcAft>
+              <a:buNone/>
+            </a:pPr>
+            <a:r>
+              <a:rPr lang="en">
+                <a:latin typeface="Open Sans"/>
+                <a:ea typeface="Open Sans"/>
+                <a:cs typeface="Open Sans"/>
+                <a:sym typeface="Open Sans"/>
+              </a:rPr>
+              <a:t>1)</a:t>
+            </a:r>
+            <a:endParaRPr>
+              <a:latin typeface="Open Sans"/>
+              <a:ea typeface="Open Sans"/>
+              <a:cs typeface="Open Sans"/>
+              <a:sym typeface="Open Sans"/>
+            </a:endParaRPr>
+          </a:p>
+        </p:txBody>
+      </p:sp>
+      <p:sp>
+        <p:nvSpPr>
+          <p:cNvPr id="91" name="Google Shape;91;p16"/>
+          <p:cNvSpPr txBox="1"/>
+          <p:nvPr/>
+        </p:nvSpPr>
+        <p:spPr>
+          <a:xfrm>
+            <a:off x="3934050" y="1311775"/>
+            <a:ext cx="437400" cy="400200"/>
+          </a:xfrm>
+          <a:prstGeom prst="rect">
+            <a:avLst/>
+          </a:prstGeom>
+          <a:noFill/>
+          <a:ln>
+            <a:noFill/>
+          </a:ln>
+        </p:spPr>
+        <p:txBody>
+          <a:bodyPr anchorCtr="0" anchor="t" bIns="91425" lIns="91425" spcFirstLastPara="1" rIns="91425" wrap="square" tIns="91425">
+            <a:spAutoFit/>
+          </a:bodyPr>
+          <a:lstStyle/>
+          <a:p>
+            <a:pPr indent="0" lvl="0" marL="0" rtl="0" algn="l">
+              <a:spcBef>
+                <a:spcPts val="0"/>
+              </a:spcBef>
+              <a:spcAft>
+                <a:spcPts val="0"/>
+              </a:spcAft>
+              <a:buNone/>
+            </a:pPr>
+            <a:r>
+              <a:rPr lang="en">
+                <a:latin typeface="Open Sans"/>
+                <a:ea typeface="Open Sans"/>
+                <a:cs typeface="Open Sans"/>
+                <a:sym typeface="Open Sans"/>
+              </a:rPr>
+              <a:t>2</a:t>
+            </a:r>
+            <a:r>
+              <a:rPr lang="en">
+                <a:latin typeface="Open Sans"/>
+                <a:ea typeface="Open Sans"/>
+                <a:cs typeface="Open Sans"/>
+                <a:sym typeface="Open Sans"/>
+              </a:rPr>
+              <a:t>)</a:t>
+            </a:r>
+            <a:endParaRPr>
+              <a:latin typeface="Open Sans"/>
+              <a:ea typeface="Open Sans"/>
+              <a:cs typeface="Open Sans"/>
+              <a:sym typeface="Open Sans"/>
+            </a:endParaRPr>
+          </a:p>
+        </p:txBody>
+      </p:sp>
+      <p:sp>
+        <p:nvSpPr>
+          <p:cNvPr id="92" name="Google Shape;92;p16"/>
+          <p:cNvSpPr txBox="1"/>
+          <p:nvPr/>
+        </p:nvSpPr>
+        <p:spPr>
+          <a:xfrm>
+            <a:off x="218625" y="2974725"/>
+            <a:ext cx="437400" cy="400200"/>
+          </a:xfrm>
+          <a:prstGeom prst="rect">
+            <a:avLst/>
+          </a:prstGeom>
+          <a:noFill/>
+          <a:ln>
+            <a:noFill/>
+          </a:ln>
+        </p:spPr>
+        <p:txBody>
+          <a:bodyPr anchorCtr="0" anchor="t" bIns="91425" lIns="91425" spcFirstLastPara="1" rIns="91425" wrap="square" tIns="91425">
+            <a:spAutoFit/>
+          </a:bodyPr>
+          <a:lstStyle/>
+          <a:p>
+            <a:pPr indent="0" lvl="0" marL="0" rtl="0" algn="l">
+              <a:spcBef>
+                <a:spcPts val="0"/>
+              </a:spcBef>
+              <a:spcAft>
+                <a:spcPts val="0"/>
+              </a:spcAft>
+              <a:buNone/>
+            </a:pPr>
+            <a:r>
+              <a:rPr lang="en">
+                <a:latin typeface="Open Sans"/>
+                <a:ea typeface="Open Sans"/>
+                <a:cs typeface="Open Sans"/>
+                <a:sym typeface="Open Sans"/>
+              </a:rPr>
+              <a:t>3</a:t>
+            </a:r>
+            <a:r>
+              <a:rPr lang="en">
+                <a:latin typeface="Open Sans"/>
+                <a:ea typeface="Open Sans"/>
+                <a:cs typeface="Open Sans"/>
+                <a:sym typeface="Open Sans"/>
+              </a:rPr>
+              <a:t>)</a:t>
+            </a:r>
+            <a:endParaRPr>
+              <a:latin typeface="Open Sans"/>
+              <a:ea typeface="Open Sans"/>
+              <a:cs typeface="Open Sans"/>
+              <a:sym typeface="Open Sans"/>
+            </a:endParaRPr>
+          </a:p>
+        </p:txBody>
+      </p:sp>
+      <p:sp>
+        <p:nvSpPr>
+          <p:cNvPr id="93" name="Google Shape;93;p16"/>
+          <p:cNvSpPr txBox="1"/>
+          <p:nvPr/>
+        </p:nvSpPr>
+        <p:spPr>
+          <a:xfrm>
+            <a:off x="3496650" y="3023550"/>
+            <a:ext cx="437400" cy="400200"/>
+          </a:xfrm>
+          <a:prstGeom prst="rect">
+            <a:avLst/>
+          </a:prstGeom>
+          <a:noFill/>
+          <a:ln>
+            <a:noFill/>
+          </a:ln>
+        </p:spPr>
+        <p:txBody>
+          <a:bodyPr anchorCtr="0" anchor="t" bIns="91425" lIns="91425" spcFirstLastPara="1" rIns="91425" wrap="square" tIns="91425">
+            <a:spAutoFit/>
+          </a:bodyPr>
+          <a:lstStyle/>
+          <a:p>
+            <a:pPr indent="0" lvl="0" marL="0" rtl="0" algn="l">
+              <a:spcBef>
+                <a:spcPts val="0"/>
+              </a:spcBef>
+              <a:spcAft>
+                <a:spcPts val="0"/>
+              </a:spcAft>
+              <a:buNone/>
+            </a:pPr>
+            <a:r>
+              <a:rPr lang="en">
+                <a:latin typeface="Open Sans"/>
+                <a:ea typeface="Open Sans"/>
+                <a:cs typeface="Open Sans"/>
+                <a:sym typeface="Open Sans"/>
+              </a:rPr>
+              <a:t>4</a:t>
+            </a:r>
+            <a:r>
+              <a:rPr lang="en">
+                <a:latin typeface="Open Sans"/>
+                <a:ea typeface="Open Sans"/>
+                <a:cs typeface="Open Sans"/>
+                <a:sym typeface="Open Sans"/>
+              </a:rPr>
+              <a:t>)</a:t>
+            </a:r>
+            <a:endParaRPr>
+              <a:latin typeface="Open Sans"/>
+              <a:ea typeface="Open Sans"/>
+              <a:cs typeface="Open Sans"/>
+              <a:sym typeface="Open Sans"/>
+            </a:endParaRPr>
+          </a:p>
+        </p:txBody>
+      </p:sp>
+      <p:sp>
+        <p:nvSpPr>
+          <p:cNvPr id="94" name="Google Shape;94;p16"/>
+          <p:cNvSpPr txBox="1"/>
+          <p:nvPr/>
+        </p:nvSpPr>
+        <p:spPr>
+          <a:xfrm>
+            <a:off x="6939975" y="3023550"/>
+            <a:ext cx="437400" cy="400200"/>
+          </a:xfrm>
+          <a:prstGeom prst="rect">
+            <a:avLst/>
+          </a:prstGeom>
+          <a:noFill/>
+          <a:ln>
+            <a:noFill/>
+          </a:ln>
+        </p:spPr>
+        <p:txBody>
+          <a:bodyPr anchorCtr="0" anchor="t" bIns="91425" lIns="91425" spcFirstLastPara="1" rIns="91425" wrap="square" tIns="91425">
+            <a:spAutoFit/>
+          </a:bodyPr>
+          <a:lstStyle/>
+          <a:p>
+            <a:pPr indent="0" lvl="0" marL="0" rtl="0" algn="l">
+              <a:spcBef>
+                <a:spcPts val="0"/>
+              </a:spcBef>
+              <a:spcAft>
+                <a:spcPts val="0"/>
+              </a:spcAft>
+              <a:buNone/>
+            </a:pPr>
+            <a:r>
+              <a:rPr lang="en">
+                <a:latin typeface="Open Sans"/>
+                <a:ea typeface="Open Sans"/>
+                <a:cs typeface="Open Sans"/>
+                <a:sym typeface="Open Sans"/>
+              </a:rPr>
+              <a:t>5</a:t>
+            </a:r>
+            <a:r>
+              <a:rPr lang="en">
+                <a:latin typeface="Open Sans"/>
+                <a:ea typeface="Open Sans"/>
+                <a:cs typeface="Open Sans"/>
+                <a:sym typeface="Open Sans"/>
+              </a:rPr>
+              <a:t>)</a:t>
+            </a:r>
+            <a:endParaRPr>
+              <a:latin typeface="Open Sans"/>
+              <a:ea typeface="Open Sans"/>
+              <a:cs typeface="Open Sans"/>
+              <a:sym typeface="Open Sans"/>
+            </a:endParaRPr>
+          </a:p>
+        </p:txBody>
+      </p:sp>
+      <p:pic>
+        <p:nvPicPr>
+          <p:cNvPr id="95" name="Google Shape;95;p16"/>
+          <p:cNvPicPr preferRelativeResize="0"/>
+          <p:nvPr/>
+        </p:nvPicPr>
+        <p:blipFill>
+          <a:blip r:embed="rId7">
+            <a:alphaModFix/>
+          </a:blip>
+          <a:stretch>
+            <a:fillRect/>
+          </a:stretch>
+        </p:blipFill>
+        <p:spPr>
+          <a:xfrm>
+            <a:off x="622425" y="3621425"/>
+            <a:ext cx="1778581" cy="678575"/>
+          </a:xfrm>
+          <a:prstGeom prst="rect">
+            <a:avLst/>
+          </a:prstGeom>
+          <a:noFill/>
+          <a:ln>
+            <a:noFill/>
+          </a:ln>
+        </p:spPr>
+      </p:pic>
+    </p:spTree>
+  </p:cSld>
+  <p:clrMapOvr>
+    <a:masterClrMapping/>
+  </p:clrMapOvr>
+</p:sld>
+</file>
+
+<file path=ppt/slides/slide5.xml><?xml version="1.0" encoding="utf-8"?>
+<p:sld xmlns:a="http://schemas.openxmlformats.org/drawingml/2006/main" xmlns:r="http://schemas.openxmlformats.org/officeDocument/2006/relationships" xmlns:mc="http://schemas.openxmlformats.org/markup-compatibility/2006" xmlns:mv="urn:schemas-microsoft-com:mac:vml" xmlns:p="http://schemas.openxmlformats.org/presentationml/2006/main" xmlns:c="http://schemas.openxmlformats.org/drawingml/2006/chart" xmlns:dgm="http://schemas.openxmlformats.org/drawingml/2006/diagram" xmlns:o="urn:schemas-microsoft-com:office:office" xmlns:v="urn:schemas-microsoft-com:vml" xmlns:pvml="urn:schemas-microsoft-com:office:powerpoint" xmlns:com="http://schemas.openxmlformats.org/drawingml/2006/compatibility" xmlns:p14="http://schemas.microsoft.com/office/powerpoint/2010/main" xmlns:p15="http://schemas.microsoft.com/office/powerpoint/2012/main" xmlns:ahyp="http://schemas.microsoft.com/office/drawing/2018/hyperlinkcolor">
+  <p:cSld>
+    <p:spTree>
+      <p:nvGrpSpPr>
+        <p:cNvPr id="99" name="Shape 99"/>
+        <p:cNvGrpSpPr/>
+        <p:nvPr/>
+      </p:nvGrpSpPr>
+      <p:grpSpPr>
+        <a:xfrm>
+          <a:off x="0" y="0"/>
+          <a:ext cx="0" cy="0"/>
+          <a:chOff x="0" y="0"/>
+          <a:chExt cx="0" cy="0"/>
+        </a:xfrm>
+      </p:grpSpPr>
+      <p:sp>
+        <p:nvSpPr>
+          <p:cNvPr id="100" name="Google Shape;100;p17"/>
+          <p:cNvSpPr txBox="1"/>
+          <p:nvPr>
+            <p:ph type="title"/>
+          </p:nvPr>
+        </p:nvSpPr>
+        <p:spPr>
+          <a:xfrm>
+            <a:off x="311700" y="315925"/>
+            <a:ext cx="8520600" cy="831300"/>
+          </a:xfrm>
+          <a:prstGeom prst="rect">
+            <a:avLst/>
+          </a:prstGeom>
+        </p:spPr>
+        <p:txBody>
+          <a:bodyPr anchorCtr="0" anchor="b" bIns="91425" lIns="91425" spcFirstLastPara="1" rIns="91425" wrap="square" tIns="91425">
+            <a:normAutofit/>
+          </a:bodyPr>
+          <a:lstStyle/>
+          <a:p>
+            <a:pPr indent="0" lvl="0" marL="0" rtl="0" algn="ctr">
+              <a:spcBef>
+                <a:spcPts val="0"/>
+              </a:spcBef>
+              <a:spcAft>
+                <a:spcPts val="0"/>
+              </a:spcAft>
+              <a:buNone/>
+            </a:pPr>
+            <a:r>
+              <a:rPr lang="en"/>
               <a:t>Special types of graph</a:t>
             </a:r>
             <a:endParaRPr/>
@@ -7901,7 +9072,7 @@
       </p:sp>
       <p:pic>
         <p:nvPicPr>
-          <p:cNvPr id="86" name="Google Shape;86;p16"/>
+          <p:cNvPr id="101" name="Google Shape;101;p17"/>
           <p:cNvPicPr preferRelativeResize="0"/>
           <p:nvPr/>
         </p:nvPicPr>
@@ -7935,12 +9106,12 @@
 </p:sld>
 </file>
 
-<file path=ppt/slides/slide5.xml><?xml version="1.0" encoding="utf-8"?>
+<file path=ppt/slides/slide6.xml><?xml version="1.0" encoding="utf-8"?>
 <p:sld xmlns:a="http://schemas.openxmlformats.org/drawingml/2006/main" xmlns:r="http://schemas.openxmlformats.org/officeDocument/2006/relationships" xmlns:mc="http://schemas.openxmlformats.org/markup-compatibility/2006" xmlns:mv="urn:schemas-microsoft-com:mac:vml" xmlns:p="http://schemas.openxmlformats.org/presentationml/2006/main" xmlns:c="http://schemas.openxmlformats.org/drawingml/2006/chart" xmlns:dgm="http://schemas.openxmlformats.org/drawingml/2006/diagram" xmlns:o="urn:schemas-microsoft-com:office:office" xmlns:v="urn:schemas-microsoft-com:vml" xmlns:pvml="urn:schemas-microsoft-com:office:powerpoint" xmlns:com="http://schemas.openxmlformats.org/drawingml/2006/compatibility" xmlns:p14="http://schemas.microsoft.com/office/powerpoint/2010/main" xmlns:p15="http://schemas.microsoft.com/office/powerpoint/2012/main" xmlns:ahyp="http://schemas.microsoft.com/office/drawing/2018/hyperlinkcolor">
   <p:cSld>
     <p:spTree>
       <p:nvGrpSpPr>
-        <p:cNvPr id="90" name="Shape 90"/>
+        <p:cNvPr id="105" name="Shape 105"/>
         <p:cNvGrpSpPr/>
         <p:nvPr/>
       </p:nvGrpSpPr>
@@ -7954,7 +9125,7 @@
       </p:grpSpPr>
       <p:sp>
         <p:nvSpPr>
-          <p:cNvPr id="91" name="Google Shape;91;p17"/>
+          <p:cNvPr id="106" name="Google Shape;106;p18"/>
           <p:cNvSpPr txBox="1"/>
           <p:nvPr>
             <p:ph type="title"/>
@@ -7994,7 +9165,7 @@
       </p:sp>
       <p:pic>
         <p:nvPicPr>
-          <p:cNvPr id="92" name="Google Shape;92;p17"/>
+          <p:cNvPr id="107" name="Google Shape;107;p18"/>
           <p:cNvPicPr preferRelativeResize="0"/>
           <p:nvPr/>
         </p:nvPicPr>
@@ -8028,12 +9199,12 @@
 </p:sld>
 </file>
 
-<file path=ppt/slides/slide6.xml><?xml version="1.0" encoding="utf-8"?>
+<file path=ppt/slides/slide7.xml><?xml version="1.0" encoding="utf-8"?>
 <p:sld xmlns:a="http://schemas.openxmlformats.org/drawingml/2006/main" xmlns:r="http://schemas.openxmlformats.org/officeDocument/2006/relationships" xmlns:mc="http://schemas.openxmlformats.org/markup-compatibility/2006" xmlns:mv="urn:schemas-microsoft-com:mac:vml" xmlns:p="http://schemas.openxmlformats.org/presentationml/2006/main" xmlns:c="http://schemas.openxmlformats.org/drawingml/2006/chart" xmlns:dgm="http://schemas.openxmlformats.org/drawingml/2006/diagram" xmlns:o="urn:schemas-microsoft-com:office:office" xmlns:v="urn:schemas-microsoft-com:vml" xmlns:pvml="urn:schemas-microsoft-com:office:powerpoint" xmlns:com="http://schemas.openxmlformats.org/drawingml/2006/compatibility" xmlns:p14="http://schemas.microsoft.com/office/powerpoint/2010/main" xmlns:p15="http://schemas.microsoft.com/office/powerpoint/2012/main" xmlns:ahyp="http://schemas.microsoft.com/office/drawing/2018/hyperlinkcolor">
   <p:cSld>
     <p:spTree>
       <p:nvGrpSpPr>
-        <p:cNvPr id="96" name="Shape 96"/>
+        <p:cNvPr id="111" name="Shape 111"/>
         <p:cNvGrpSpPr/>
         <p:nvPr/>
       </p:nvGrpSpPr>
@@ -8047,7 +9218,7 @@
       </p:grpSpPr>
       <p:sp>
         <p:nvSpPr>
-          <p:cNvPr id="97" name="Google Shape;97;p18"/>
+          <p:cNvPr id="112" name="Google Shape;112;p19"/>
           <p:cNvSpPr txBox="1"/>
           <p:nvPr>
             <p:ph type="title"/>
@@ -8091,7 +9262,7 @@
       </p:sp>
       <p:pic>
         <p:nvPicPr>
-          <p:cNvPr id="98" name="Google Shape;98;p18"/>
+          <p:cNvPr id="113" name="Google Shape;113;p19"/>
           <p:cNvPicPr preferRelativeResize="0"/>
           <p:nvPr/>
         </p:nvPicPr>
@@ -8125,7 +9296,432 @@
 </p:sld>
 </file>
 
+<file path=ppt/slides/slide8.xml><?xml version="1.0" encoding="utf-8"?>
+<p:sld xmlns:a="http://schemas.openxmlformats.org/drawingml/2006/main" xmlns:r="http://schemas.openxmlformats.org/officeDocument/2006/relationships" xmlns:mc="http://schemas.openxmlformats.org/markup-compatibility/2006" xmlns:mv="urn:schemas-microsoft-com:mac:vml" xmlns:p="http://schemas.openxmlformats.org/presentationml/2006/main" xmlns:c="http://schemas.openxmlformats.org/drawingml/2006/chart" xmlns:dgm="http://schemas.openxmlformats.org/drawingml/2006/diagram" xmlns:o="urn:schemas-microsoft-com:office:office" xmlns:v="urn:schemas-microsoft-com:vml" xmlns:pvml="urn:schemas-microsoft-com:office:powerpoint" xmlns:com="http://schemas.openxmlformats.org/drawingml/2006/compatibility" xmlns:p14="http://schemas.microsoft.com/office/powerpoint/2010/main" xmlns:p15="http://schemas.microsoft.com/office/powerpoint/2012/main" xmlns:ahyp="http://schemas.microsoft.com/office/drawing/2018/hyperlinkcolor">
+  <p:cSld>
+    <p:spTree>
+      <p:nvGrpSpPr>
+        <p:cNvPr id="117" name="Shape 117"/>
+        <p:cNvGrpSpPr/>
+        <p:nvPr/>
+      </p:nvGrpSpPr>
+      <p:grpSpPr>
+        <a:xfrm>
+          <a:off x="0" y="0"/>
+          <a:ext cx="0" cy="0"/>
+          <a:chOff x="0" y="0"/>
+          <a:chExt cx="0" cy="0"/>
+        </a:xfrm>
+      </p:grpSpPr>
+      <p:pic>
+        <p:nvPicPr>
+          <p:cNvPr id="118" name="Google Shape;118;p20"/>
+          <p:cNvPicPr preferRelativeResize="0"/>
+          <p:nvPr/>
+        </p:nvPicPr>
+        <p:blipFill>
+          <a:blip r:embed="rId3">
+            <a:alphaModFix/>
+          </a:blip>
+          <a:stretch>
+            <a:fillRect/>
+          </a:stretch>
+        </p:blipFill>
+        <p:spPr>
+          <a:xfrm>
+            <a:off x="1505275" y="1720825"/>
+            <a:ext cx="5715000" cy="2676525"/>
+          </a:xfrm>
+          <a:prstGeom prst="rect">
+            <a:avLst/>
+          </a:prstGeom>
+          <a:noFill/>
+          <a:ln>
+            <a:noFill/>
+          </a:ln>
+        </p:spPr>
+      </p:pic>
+      <p:sp>
+        <p:nvSpPr>
+          <p:cNvPr id="119" name="Google Shape;119;p20"/>
+          <p:cNvSpPr txBox="1"/>
+          <p:nvPr>
+            <p:ph type="title"/>
+          </p:nvPr>
+        </p:nvSpPr>
+        <p:spPr>
+          <a:xfrm>
+            <a:off x="311700" y="315925"/>
+            <a:ext cx="8520600" cy="831300"/>
+          </a:xfrm>
+          <a:prstGeom prst="rect">
+            <a:avLst/>
+          </a:prstGeom>
+        </p:spPr>
+        <p:txBody>
+          <a:bodyPr anchorCtr="0" anchor="b" bIns="91425" lIns="91425" spcFirstLastPara="1" rIns="91425" wrap="square" tIns="91425">
+            <a:normAutofit/>
+          </a:bodyPr>
+          <a:lstStyle/>
+          <a:p>
+            <a:pPr indent="0" lvl="0" marL="0" rtl="0" algn="ctr">
+              <a:spcBef>
+                <a:spcPts val="0"/>
+              </a:spcBef>
+              <a:spcAft>
+                <a:spcPts val="0"/>
+              </a:spcAft>
+              <a:buNone/>
+            </a:pPr>
+            <a:r>
+              <a:rPr lang="en"/>
+              <a:t>Representation of graph</a:t>
+            </a:r>
+            <a:endParaRPr/>
+          </a:p>
+        </p:txBody>
+      </p:sp>
+    </p:spTree>
+  </p:cSld>
+  <p:clrMapOvr>
+    <a:masterClrMapping/>
+  </p:clrMapOvr>
+</p:sld>
+</file>
+
+<file path=ppt/slides/slide9.xml><?xml version="1.0" encoding="utf-8"?>
+<p:sld xmlns:a="http://schemas.openxmlformats.org/drawingml/2006/main" xmlns:r="http://schemas.openxmlformats.org/officeDocument/2006/relationships" xmlns:mc="http://schemas.openxmlformats.org/markup-compatibility/2006" xmlns:mv="urn:schemas-microsoft-com:mac:vml" xmlns:p="http://schemas.openxmlformats.org/presentationml/2006/main" xmlns:c="http://schemas.openxmlformats.org/drawingml/2006/chart" xmlns:dgm="http://schemas.openxmlformats.org/drawingml/2006/diagram" xmlns:o="urn:schemas-microsoft-com:office:office" xmlns:v="urn:schemas-microsoft-com:vml" xmlns:pvml="urn:schemas-microsoft-com:office:powerpoint" xmlns:com="http://schemas.openxmlformats.org/drawingml/2006/compatibility" xmlns:p14="http://schemas.microsoft.com/office/powerpoint/2010/main" xmlns:p15="http://schemas.microsoft.com/office/powerpoint/2012/main" xmlns:ahyp="http://schemas.microsoft.com/office/drawing/2018/hyperlinkcolor">
+  <p:cSld>
+    <p:spTree>
+      <p:nvGrpSpPr>
+        <p:cNvPr id="123" name="Shape 123"/>
+        <p:cNvGrpSpPr/>
+        <p:nvPr/>
+      </p:nvGrpSpPr>
+      <p:grpSpPr>
+        <a:xfrm>
+          <a:off x="0" y="0"/>
+          <a:ext cx="0" cy="0"/>
+          <a:chOff x="0" y="0"/>
+          <a:chExt cx="0" cy="0"/>
+        </a:xfrm>
+      </p:grpSpPr>
+      <p:pic>
+        <p:nvPicPr>
+          <p:cNvPr id="124" name="Google Shape;124;p21"/>
+          <p:cNvPicPr preferRelativeResize="0"/>
+          <p:nvPr/>
+        </p:nvPicPr>
+        <p:blipFill>
+          <a:blip r:embed="rId3">
+            <a:alphaModFix/>
+          </a:blip>
+          <a:stretch>
+            <a:fillRect/>
+          </a:stretch>
+        </p:blipFill>
+        <p:spPr>
+          <a:xfrm>
+            <a:off x="1871200" y="606775"/>
+            <a:ext cx="5239949" cy="3929950"/>
+          </a:xfrm>
+          <a:prstGeom prst="rect">
+            <a:avLst/>
+          </a:prstGeom>
+          <a:noFill/>
+          <a:ln>
+            <a:noFill/>
+          </a:ln>
+        </p:spPr>
+      </p:pic>
+    </p:spTree>
+  </p:cSld>
+  <p:clrMapOvr>
+    <a:masterClrMapping/>
+  </p:clrMapOvr>
+</p:sld>
+</file>
+
 <file path=ppt/theme/theme1.xml><?xml version="1.0" encoding="utf-8"?>
+<a:theme xmlns:a="http://schemas.openxmlformats.org/drawingml/2006/main" xmlns:r="http://schemas.openxmlformats.org/officeDocument/2006/relationships">
+  <a:themeElements>
+    <a:clrScheme name="Default">
+      <a:dk1>
+        <a:srgbClr val="000000"/>
+      </a:dk1>
+      <a:lt1>
+        <a:srgbClr val="FFFFFF"/>
+      </a:lt1>
+      <a:dk2>
+        <a:srgbClr val="158158"/>
+      </a:dk2>
+      <a:lt2>
+        <a:srgbClr val="F3F3F3"/>
+      </a:lt2>
+      <a:accent1>
+        <a:srgbClr val="058DC7"/>
+      </a:accent1>
+      <a:accent2>
+        <a:srgbClr val="50B432"/>
+      </a:accent2>
+      <a:accent3>
+        <a:srgbClr val="ED561B"/>
+      </a:accent3>
+      <a:accent4>
+        <a:srgbClr val="EDEF00"/>
+      </a:accent4>
+      <a:accent5>
+        <a:srgbClr val="24CBE5"/>
+      </a:accent5>
+      <a:accent6>
+        <a:srgbClr val="64E572"/>
+      </a:accent6>
+      <a:hlink>
+        <a:srgbClr val="2200CC"/>
+      </a:hlink>
+      <a:folHlink>
+        <a:srgbClr val="551A8B"/>
+      </a:folHlink>
+    </a:clrScheme>
+    <a:fontScheme name="Office">
+      <a:majorFont>
+        <a:latin typeface="Arial"/>
+        <a:ea typeface=""/>
+        <a:cs typeface=""/>
+        <a:font script="Jpan" typeface="ＭＳ Ｐゴシック"/>
+        <a:font script="Hang" typeface="맑은 고딕"/>
+        <a:font script="Hans" typeface="宋体"/>
+        <a:font script="Hant" typeface="新細明體"/>
+        <a:font script="Arab" typeface="Times New Roman"/>
+        <a:font script="Hebr" typeface="Times New Roman"/>
+        <a:font script="Thai" typeface="Angsana New"/>
+        <a:font script="Ethi" typeface="Nyala"/>
+        <a:font script="Beng" typeface="Vrinda"/>
+        <a:font script="Gujr" typeface="Shruti"/>
+        <a:font script="Khmr" typeface="MoolBoran"/>
+        <a:font script="Knda" typeface="Tunga"/>
+        <a:font script="Guru" typeface="Raavi"/>
+        <a:font script="Cans" typeface="Euphemia"/>
+        <a:font script="Cher" typeface="Plantagenet Cherokee"/>
+        <a:font script="Yiii" typeface="Microsoft Yi Baiti"/>
+        <a:font script="Tibt" typeface="Microsoft Himalaya"/>
+        <a:font script="Thaa" typeface="MV Boli"/>
+        <a:font script="Deva" typeface="Mangal"/>
+        <a:font script="Telu" typeface="Gautami"/>
+        <a:font script="Taml" typeface="Latha"/>
+        <a:font script="Syrc" typeface="Estrangelo Edessa"/>
+        <a:font script="Orya" typeface="Kalinga"/>
+        <a:font script="Mlym" typeface="Kartika"/>
+        <a:font script="Laoo" typeface="DokChampa"/>
+        <a:font script="Sinh" typeface="Iskoola Pota"/>
+        <a:font script="Mong" typeface="Mongolian Baiti"/>
+        <a:font script="Viet" typeface="Times New Roman"/>
+        <a:font script="Uigh" typeface="Microsoft Uighur"/>
+        <a:font script="Geor" typeface="Sylfaen"/>
+      </a:majorFont>
+      <a:minorFont>
+        <a:latin typeface="Arial"/>
+        <a:ea typeface=""/>
+        <a:cs typeface=""/>
+        <a:font script="Jpan" typeface="ＭＳ Ｐゴシック"/>
+        <a:font script="Hang" typeface="맑은 고딕"/>
+        <a:font script="Hans" typeface="宋体"/>
+        <a:font script="Hant" typeface="新細明體"/>
+        <a:font script="Arab" typeface="Arial"/>
+        <a:font script="Hebr" typeface="Arial"/>
+        <a:font script="Thai" typeface="Cordia New"/>
+        <a:font script="Ethi" typeface="Nyala"/>
+        <a:font script="Beng" typeface="Vrinda"/>
+        <a:font script="Gujr" typeface="Shruti"/>
+        <a:font script="Khmr" typeface="DaunPenh"/>
+        <a:font script="Knda" typeface="Tunga"/>
+        <a:font script="Guru" typeface="Raavi"/>
+        <a:font script="Cans" typeface="Euphemia"/>
+        <a:font script="Cher" typeface="Plantagenet Cherokee"/>
+        <a:font script="Yiii" typeface="Microsoft Yi Baiti"/>
+        <a:font script="Tibt" typeface="Microsoft Himalaya"/>
+        <a:font script="Thaa" typeface="MV Boli"/>
+        <a:font script="Deva" typeface="Mangal"/>
+        <a:font script="Telu" typeface="Gautami"/>
+        <a:font script="Taml" typeface="Latha"/>
+        <a:font script="Syrc" typeface="Estrangelo Edessa"/>
+        <a:font script="Orya" typeface="Kalinga"/>
+        <a:font script="Mlym" typeface="Kartika"/>
+        <a:font script="Laoo" typeface="DokChampa"/>
+        <a:font script="Sinh" typeface="Iskoola Pota"/>
+        <a:font script="Mong" typeface="Mongolian Baiti"/>
+        <a:font script="Viet" typeface="Arial"/>
+        <a:font script="Uigh" typeface="Microsoft Uighur"/>
+        <a:font script="Geor" typeface="Sylfaen"/>
+      </a:minorFont>
+    </a:fontScheme>
+    <a:fmtScheme name="Office">
+      <a:fillStyleLst>
+        <a:solidFill>
+          <a:schemeClr val="phClr"/>
+        </a:solidFill>
+        <a:gradFill rotWithShape="1">
+          <a:gsLst>
+            <a:gs pos="0">
+              <a:schemeClr val="phClr">
+                <a:tint val="50000"/>
+                <a:satMod val="300000"/>
+              </a:schemeClr>
+            </a:gs>
+            <a:gs pos="35000">
+              <a:schemeClr val="phClr">
+                <a:tint val="37000"/>
+                <a:satMod val="300000"/>
+              </a:schemeClr>
+            </a:gs>
+            <a:gs pos="100000">
+              <a:schemeClr val="phClr">
+                <a:tint val="15000"/>
+                <a:satMod val="350000"/>
+              </a:schemeClr>
+            </a:gs>
+          </a:gsLst>
+          <a:lin ang="16200000" scaled="1"/>
+        </a:gradFill>
+        <a:gradFill rotWithShape="1">
+          <a:gsLst>
+            <a:gs pos="0">
+              <a:schemeClr val="phClr">
+                <a:tint val="100000"/>
+                <a:shade val="100000"/>
+                <a:satMod val="130000"/>
+              </a:schemeClr>
+            </a:gs>
+            <a:gs pos="100000">
+              <a:schemeClr val="phClr">
+                <a:tint val="50000"/>
+                <a:shade val="100000"/>
+                <a:satMod val="350000"/>
+              </a:schemeClr>
+            </a:gs>
+          </a:gsLst>
+          <a:lin ang="16200000" scaled="0"/>
+        </a:gradFill>
+      </a:fillStyleLst>
+      <a:lnStyleLst>
+        <a:ln w="9525" cap="flat" cmpd="sng" algn="ctr">
+          <a:solidFill>
+            <a:schemeClr val="phClr">
+              <a:shade val="95000"/>
+              <a:satMod val="105000"/>
+            </a:schemeClr>
+          </a:solidFill>
+          <a:prstDash val="solid"/>
+        </a:ln>
+        <a:ln w="25400" cap="flat" cmpd="sng" algn="ctr">
+          <a:solidFill>
+            <a:schemeClr val="phClr"/>
+          </a:solidFill>
+          <a:prstDash val="solid"/>
+        </a:ln>
+        <a:ln w="38100" cap="flat" cmpd="sng" algn="ctr">
+          <a:solidFill>
+            <a:schemeClr val="phClr"/>
+          </a:solidFill>
+          <a:prstDash val="solid"/>
+        </a:ln>
+      </a:lnStyleLst>
+      <a:effectStyleLst>
+        <a:effectStyle>
+          <a:effectLst>
+            <a:outerShdw blurRad="40000" dist="20000" dir="5400000" rotWithShape="0">
+              <a:srgbClr val="000000">
+                <a:alpha val="38000"/>
+              </a:srgbClr>
+            </a:outerShdw>
+          </a:effectLst>
+        </a:effectStyle>
+        <a:effectStyle>
+          <a:effectLst>
+            <a:outerShdw blurRad="40000" dist="23000" dir="5400000" rotWithShape="0">
+              <a:srgbClr val="000000">
+                <a:alpha val="35000"/>
+              </a:srgbClr>
+            </a:outerShdw>
+          </a:effectLst>
+        </a:effectStyle>
+        <a:effectStyle>
+          <a:effectLst>
+            <a:outerShdw blurRad="40000" dist="23000" dir="5400000" rotWithShape="0">
+              <a:srgbClr val="000000">
+                <a:alpha val="35000"/>
+              </a:srgbClr>
+            </a:outerShdw>
+          </a:effectLst>
+          <a:scene3d>
+            <a:camera prst="orthographicFront">
+              <a:rot lat="0" lon="0" rev="0"/>
+            </a:camera>
+            <a:lightRig rig="threePt" dir="t">
+              <a:rot lat="0" lon="0" rev="1200000"/>
+            </a:lightRig>
+          </a:scene3d>
+          <a:sp3d>
+            <a:bevelT w="63500" h="25400"/>
+          </a:sp3d>
+        </a:effectStyle>
+      </a:effectStyleLst>
+      <a:bgFillStyleLst>
+        <a:solidFill>
+          <a:schemeClr val="phClr"/>
+        </a:solidFill>
+        <a:gradFill rotWithShape="1">
+          <a:gsLst>
+            <a:gs pos="0">
+              <a:schemeClr val="phClr">
+                <a:tint val="40000"/>
+                <a:satMod val="350000"/>
+              </a:schemeClr>
+            </a:gs>
+            <a:gs pos="40000">
+              <a:schemeClr val="phClr">
+                <a:tint val="45000"/>
+                <a:shade val="99000"/>
+                <a:satMod val="350000"/>
+              </a:schemeClr>
+            </a:gs>
+            <a:gs pos="100000">
+              <a:schemeClr val="phClr">
+                <a:shade val="20000"/>
+                <a:satMod val="255000"/>
+              </a:schemeClr>
+            </a:gs>
+          </a:gsLst>
+          <a:path path="circle">
+            <a:fillToRect l="50000" t="-80000" r="50000" b="180000"/>
+          </a:path>
+        </a:gradFill>
+        <a:gradFill rotWithShape="1">
+          <a:gsLst>
+            <a:gs pos="0">
+              <a:schemeClr val="phClr">
+                <a:tint val="80000"/>
+                <a:satMod val="300000"/>
+              </a:schemeClr>
+            </a:gs>
+            <a:gs pos="100000">
+              <a:schemeClr val="phClr">
+                <a:shade val="30000"/>
+                <a:satMod val="200000"/>
+              </a:schemeClr>
+            </a:gs>
+          </a:gsLst>
+          <a:path path="circle">
+            <a:fillToRect l="50000" t="50000" r="50000" b="50000"/>
+          </a:path>
+        </a:gradFill>
+      </a:bgFillStyleLst>
+    </a:fmtScheme>
+  </a:themeElements>
+</a:theme>
+</file>
+
+<file path=ppt/theme/theme2.xml><?xml version="1.0" encoding="utf-8"?>
 <a:theme xmlns:a="http://schemas.openxmlformats.org/drawingml/2006/main" xmlns:r="http://schemas.openxmlformats.org/officeDocument/2006/relationships" name="Luxe">
   <a:themeElements>
     <a:clrScheme name="Luxe">
@@ -8402,283 +9998,4 @@
     </a:fmtScheme>
   </a:themeElements>
 </a:theme>
-</file>
-
-<file path=ppt/theme/theme2.xml><?xml version="1.0" encoding="utf-8"?>
-<a:theme xmlns:a="http://schemas.openxmlformats.org/drawingml/2006/main" xmlns:r="http://schemas.openxmlformats.org/officeDocument/2006/relationships">
-  <a:themeElements>
-    <a:clrScheme name="Default">
-      <a:dk1>
-        <a:srgbClr val="000000"/>
-      </a:dk1>
-      <a:lt1>
-        <a:srgbClr val="FFFFFF"/>
-      </a:lt1>
-      <a:dk2>
-        <a:srgbClr val="158158"/>
-      </a:dk2>
-      <a:lt2>
-        <a:srgbClr val="F3F3F3"/>
-      </a:lt2>
-      <a:accent1>
-        <a:srgbClr val="058DC7"/>
-      </a:accent1>
-      <a:accent2>
-        <a:srgbClr val="50B432"/>
-      </a:accent2>
-      <a:accent3>
-        <a:srgbClr val="ED561B"/>
-      </a:accent3>
-      <a:accent4>
-        <a:srgbClr val="EDEF00"/>
-      </a:accent4>
-      <a:accent5>
-        <a:srgbClr val="24CBE5"/>
-      </a:accent5>
-      <a:accent6>
-        <a:srgbClr val="64E572"/>
-      </a:accent6>
-      <a:hlink>
-        <a:srgbClr val="2200CC"/>
-      </a:hlink>
-      <a:folHlink>
-        <a:srgbClr val="551A8B"/>
-      </a:folHlink>
-    </a:clrScheme>
-    <a:fontScheme name="Office">
-      <a:majorFont>
-        <a:latin typeface="Arial"/>
-        <a:ea typeface=""/>
-        <a:cs typeface=""/>
-        <a:font script="Jpan" typeface="ＭＳ Ｐゴシック"/>
-        <a:font script="Hang" typeface="맑은 고딕"/>
-        <a:font script="Hans" typeface="宋体"/>
-        <a:font script="Hant" typeface="新細明體"/>
-        <a:font script="Arab" typeface="Times New Roman"/>
-        <a:font script="Hebr" typeface="Times New Roman"/>
-        <a:font script="Thai" typeface="Angsana New"/>
-        <a:font script="Ethi" typeface="Nyala"/>
-        <a:font script="Beng" typeface="Vrinda"/>
-        <a:font script="Gujr" typeface="Shruti"/>
-        <a:font script="Khmr" typeface="MoolBoran"/>
-        <a:font script="Knda" typeface="Tunga"/>
-        <a:font script="Guru" typeface="Raavi"/>
-        <a:font script="Cans" typeface="Euphemia"/>
-        <a:font script="Cher" typeface="Plantagenet Cherokee"/>
-        <a:font script="Yiii" typeface="Microsoft Yi Baiti"/>
-        <a:font script="Tibt" typeface="Microsoft Himalaya"/>
-        <a:font script="Thaa" typeface="MV Boli"/>
-        <a:font script="Deva" typeface="Mangal"/>
-        <a:font script="Telu" typeface="Gautami"/>
-        <a:font script="Taml" typeface="Latha"/>
-        <a:font script="Syrc" typeface="Estrangelo Edessa"/>
-        <a:font script="Orya" typeface="Kalinga"/>
-        <a:font script="Mlym" typeface="Kartika"/>
-        <a:font script="Laoo" typeface="DokChampa"/>
-        <a:font script="Sinh" typeface="Iskoola Pota"/>
-        <a:font script="Mong" typeface="Mongolian Baiti"/>
-        <a:font script="Viet" typeface="Times New Roman"/>
-        <a:font script="Uigh" typeface="Microsoft Uighur"/>
-        <a:font script="Geor" typeface="Sylfaen"/>
-      </a:majorFont>
-      <a:minorFont>
-        <a:latin typeface="Arial"/>
-        <a:ea typeface=""/>
-        <a:cs typeface=""/>
-        <a:font script="Jpan" typeface="ＭＳ Ｐゴシック"/>
-        <a:font script="Hang" typeface="맑은 고딕"/>
-        <a:font script="Hans" typeface="宋体"/>
-        <a:font script="Hant" typeface="新細明體"/>
-        <a:font script="Arab" typeface="Arial"/>
-        <a:font script="Hebr" typeface="Arial"/>
-        <a:font script="Thai" typeface="Cordia New"/>
-        <a:font script="Ethi" typeface="Nyala"/>
-        <a:font script="Beng" typeface="Vrinda"/>
-        <a:font script="Gujr" typeface="Shruti"/>
-        <a:font script="Khmr" typeface="DaunPenh"/>
-        <a:font script="Knda" typeface="Tunga"/>
-        <a:font script="Guru" typeface="Raavi"/>
-        <a:font script="Cans" typeface="Euphemia"/>
-        <a:font script="Cher" typeface="Plantagenet Cherokee"/>
-        <a:font script="Yiii" typeface="Microsoft Yi Baiti"/>
-        <a:font script="Tibt" typeface="Microsoft Himalaya"/>
-        <a:font script="Thaa" typeface="MV Boli"/>
-        <a:font script="Deva" typeface="Mangal"/>
-        <a:font script="Telu" typeface="Gautami"/>
-        <a:font script="Taml" typeface="Latha"/>
-        <a:font script="Syrc" typeface="Estrangelo Edessa"/>
-        <a:font script="Orya" typeface="Kalinga"/>
-        <a:font script="Mlym" typeface="Kartika"/>
-        <a:font script="Laoo" typeface="DokChampa"/>
-        <a:font script="Sinh" typeface="Iskoola Pota"/>
-        <a:font script="Mong" typeface="Mongolian Baiti"/>
-        <a:font script="Viet" typeface="Arial"/>
-        <a:font script="Uigh" typeface="Microsoft Uighur"/>
-        <a:font script="Geor" typeface="Sylfaen"/>
-      </a:minorFont>
-    </a:fontScheme>
-    <a:fmtScheme name="Office">
-      <a:fillStyleLst>
-        <a:solidFill>
-          <a:schemeClr val="phClr"/>
-        </a:solidFill>
-        <a:gradFill rotWithShape="1">
-          <a:gsLst>
-            <a:gs pos="0">
-              <a:schemeClr val="phClr">
-                <a:tint val="50000"/>
-                <a:satMod val="300000"/>
-              </a:schemeClr>
-            </a:gs>
-            <a:gs pos="35000">
-              <a:schemeClr val="phClr">
-                <a:tint val="37000"/>
-                <a:satMod val="300000"/>
-              </a:schemeClr>
-            </a:gs>
-            <a:gs pos="100000">
-              <a:schemeClr val="phClr">
-                <a:tint val="15000"/>
-                <a:satMod val="350000"/>
-              </a:schemeClr>
-            </a:gs>
-          </a:gsLst>
-          <a:lin ang="16200000" scaled="1"/>
-        </a:gradFill>
-        <a:gradFill rotWithShape="1">
-          <a:gsLst>
-            <a:gs pos="0">
-              <a:schemeClr val="phClr">
-                <a:tint val="100000"/>
-                <a:shade val="100000"/>
-                <a:satMod val="130000"/>
-              </a:schemeClr>
-            </a:gs>
-            <a:gs pos="100000">
-              <a:schemeClr val="phClr">
-                <a:tint val="50000"/>
-                <a:shade val="100000"/>
-                <a:satMod val="350000"/>
-              </a:schemeClr>
-            </a:gs>
-          </a:gsLst>
-          <a:lin ang="16200000" scaled="0"/>
-        </a:gradFill>
-      </a:fillStyleLst>
-      <a:lnStyleLst>
-        <a:ln w="9525" cap="flat" cmpd="sng" algn="ctr">
-          <a:solidFill>
-            <a:schemeClr val="phClr">
-              <a:shade val="95000"/>
-              <a:satMod val="105000"/>
-            </a:schemeClr>
-          </a:solidFill>
-          <a:prstDash val="solid"/>
-        </a:ln>
-        <a:ln w="25400" cap="flat" cmpd="sng" algn="ctr">
-          <a:solidFill>
-            <a:schemeClr val="phClr"/>
-          </a:solidFill>
-          <a:prstDash val="solid"/>
-        </a:ln>
-        <a:ln w="38100" cap="flat" cmpd="sng" algn="ctr">
-          <a:solidFill>
-            <a:schemeClr val="phClr"/>
-          </a:solidFill>
-          <a:prstDash val="solid"/>
-        </a:ln>
-      </a:lnStyleLst>
-      <a:effectStyleLst>
-        <a:effectStyle>
-          <a:effectLst>
-            <a:outerShdw blurRad="40000" dist="20000" dir="5400000" rotWithShape="0">
-              <a:srgbClr val="000000">
-                <a:alpha val="38000"/>
-              </a:srgbClr>
-            </a:outerShdw>
-          </a:effectLst>
-        </a:effectStyle>
-        <a:effectStyle>
-          <a:effectLst>
-            <a:outerShdw blurRad="40000" dist="23000" dir="5400000" rotWithShape="0">
-              <a:srgbClr val="000000">
-                <a:alpha val="35000"/>
-              </a:srgbClr>
-            </a:outerShdw>
-          </a:effectLst>
-        </a:effectStyle>
-        <a:effectStyle>
-          <a:effectLst>
-            <a:outerShdw blurRad="40000" dist="23000" dir="5400000" rotWithShape="0">
-              <a:srgbClr val="000000">
-                <a:alpha val="35000"/>
-              </a:srgbClr>
-            </a:outerShdw>
-          </a:effectLst>
-          <a:scene3d>
-            <a:camera prst="orthographicFront">
-              <a:rot lat="0" lon="0" rev="0"/>
-            </a:camera>
-            <a:lightRig rig="threePt" dir="t">
-              <a:rot lat="0" lon="0" rev="1200000"/>
-            </a:lightRig>
-          </a:scene3d>
-          <a:sp3d>
-            <a:bevelT w="63500" h="25400"/>
-          </a:sp3d>
-        </a:effectStyle>
-      </a:effectStyleLst>
-      <a:bgFillStyleLst>
-        <a:solidFill>
-          <a:schemeClr val="phClr"/>
-        </a:solidFill>
-        <a:gradFill rotWithShape="1">
-          <a:gsLst>
-            <a:gs pos="0">
-              <a:schemeClr val="phClr">
-                <a:tint val="40000"/>
-                <a:satMod val="350000"/>
-              </a:schemeClr>
-            </a:gs>
-            <a:gs pos="40000">
-              <a:schemeClr val="phClr">
-                <a:tint val="45000"/>
-                <a:shade val="99000"/>
-                <a:satMod val="350000"/>
-              </a:schemeClr>
-            </a:gs>
-            <a:gs pos="100000">
-              <a:schemeClr val="phClr">
-                <a:shade val="20000"/>
-                <a:satMod val="255000"/>
-              </a:schemeClr>
-            </a:gs>
-          </a:gsLst>
-          <a:path path="circle">
-            <a:fillToRect l="50000" t="-80000" r="50000" b="180000"/>
-          </a:path>
-        </a:gradFill>
-        <a:gradFill rotWithShape="1">
-          <a:gsLst>
-            <a:gs pos="0">
-              <a:schemeClr val="phClr">
-                <a:tint val="80000"/>
-                <a:satMod val="300000"/>
-              </a:schemeClr>
-            </a:gs>
-            <a:gs pos="100000">
-              <a:schemeClr val="phClr">
-                <a:shade val="30000"/>
-                <a:satMod val="200000"/>
-              </a:schemeClr>
-            </a:gs>
-          </a:gsLst>
-          <a:path path="circle">
-            <a:fillToRect l="50000" t="50000" r="50000" b="50000"/>
-          </a:path>
-        </a:gradFill>
-      </a:bgFillStyleLst>
-    </a:fmtScheme>
-  </a:themeElements>
-</a:theme>
 </file>